--- a/assets/CH_assets/diagrams.pptx
+++ b/assets/CH_assets/diagrams.pptx
@@ -3582,7 +3582,7 @@
         </p:nvSpPr>
         <p:spPr>
           <a:xfrm rot="10109841">
-            <a:off x="4186317" y="2463949"/>
+            <a:off x="4241874" y="2356908"/>
             <a:ext cx="1757642" cy="1254196"/>
           </a:xfrm>
           <a:prstGeom prst="arc">
@@ -3595,10 +3595,10 @@
             <a:solidFill>
               <a:schemeClr val="accent2"/>
             </a:solidFill>
-            <a:prstDash val="dash"/>
+            <a:prstDash val="sysDot"/>
             <a:round/>
-            <a:headEnd type="arrow" w="med" len="med"/>
-            <a:tailEnd type="arrow" w="med" len="med"/>
+            <a:headEnd type="stealth" w="med" len="med"/>
+            <a:tailEnd type="stealth" w="med" len="med"/>
           </a:ln>
         </p:spPr>
         <p:style>
@@ -3638,8 +3638,8 @@
         </p:nvSpPr>
         <p:spPr>
           <a:xfrm>
-            <a:off x="4384665" y="3063185"/>
-            <a:ext cx="736031" cy="335340"/>
+            <a:off x="3968039" y="3625296"/>
+            <a:ext cx="641805" cy="369332"/>
           </a:xfrm>
           <a:prstGeom prst="rect">
             <a:avLst/>
@@ -3657,7 +3657,7 @@
           <a:lstStyle/>
           <a:p>
             <a:r>
-              <a:rPr lang="en-US" b="1" dirty="0"/>
+              <a:rPr lang="en-US" dirty="0"/>
               <a:t>FOV</a:t>
             </a:r>
           </a:p>
@@ -3687,10 +3687,10 @@
             <a:solidFill>
               <a:schemeClr val="accent2"/>
             </a:solidFill>
-            <a:prstDash val="dash"/>
+            <a:prstDash val="sysDot"/>
             <a:round/>
             <a:headEnd type="none" w="med" len="med"/>
-            <a:tailEnd type="arrow" w="med" len="med"/>
+            <a:tailEnd type="triangle" w="med" len="med"/>
           </a:ln>
         </p:spPr>
         <p:style>
@@ -3860,10 +3860,10 @@
             <a:solidFill>
               <a:srgbClr val="00B0F0"/>
             </a:solidFill>
-            <a:prstDash val="dash"/>
+            <a:prstDash val="sysDot"/>
             <a:round/>
             <a:headEnd type="none" w="med" len="med"/>
-            <a:tailEnd type="arrow" w="med" len="med"/>
+            <a:tailEnd type="stealth" w="med" len="med"/>
           </a:ln>
         </p:spPr>
         <p:style>
@@ -3942,15 +3942,15 @@
         </p:nvCxnSpPr>
         <p:spPr>
           <a:xfrm>
-            <a:off x="7219525" y="1469985"/>
-            <a:ext cx="1" cy="4158980"/>
+            <a:off x="7183145" y="1554908"/>
+            <a:ext cx="0" cy="4063448"/>
           </a:xfrm>
           <a:prstGeom prst="straightConnector1">
             <a:avLst/>
           </a:prstGeom>
           <a:ln w="53975">
             <a:headEnd type="triangle"/>
-            <a:tailEnd type="triangle"/>
+            <a:tailEnd type="none"/>
           </a:ln>
         </p:spPr>
         <p:style>
@@ -4278,6 +4278,47 @@
           </p:txBody>
         </p:sp>
       </p:grpSp>
+      <p:cxnSp>
+        <p:nvCxnSpPr>
+          <p:cNvPr id="3" name="Straight Connector 2">
+            <a:extLst>
+              <a:ext uri="{FF2B5EF4-FFF2-40B4-BE49-F238E27FC236}">
+                <a16:creationId xmlns:a16="http://schemas.microsoft.com/office/drawing/2014/main" id="{B9404FCF-1667-D376-F43D-5E599FF4F083}"/>
+              </a:ext>
+            </a:extLst>
+          </p:cNvPr>
+          <p:cNvCxnSpPr>
+            <a:cxnSpLocks/>
+          </p:cNvCxnSpPr>
+          <p:nvPr/>
+        </p:nvCxnSpPr>
+        <p:spPr>
+          <a:xfrm flipH="1">
+            <a:off x="5932707" y="1534588"/>
+            <a:ext cx="1265802" cy="0"/>
+          </a:xfrm>
+          <a:prstGeom prst="line">
+            <a:avLst/>
+          </a:prstGeom>
+          <a:ln>
+            <a:prstDash val="sysDot"/>
+          </a:ln>
+        </p:spPr>
+        <p:style>
+          <a:lnRef idx="2">
+            <a:schemeClr val="accent1"/>
+          </a:lnRef>
+          <a:fillRef idx="0">
+            <a:schemeClr val="accent1"/>
+          </a:fillRef>
+          <a:effectRef idx="1">
+            <a:schemeClr val="accent1"/>
+          </a:effectRef>
+          <a:fontRef idx="minor">
+            <a:schemeClr val="tx1"/>
+          </a:fontRef>
+        </p:style>
+      </p:cxnSp>
     </p:spTree>
     <p:extLst>
       <p:ext uri="{BB962C8B-B14F-4D97-AF65-F5344CB8AC3E}">
@@ -4379,7 +4420,7 @@
         </p:nvCxnSpPr>
         <p:spPr>
           <a:xfrm>
-            <a:off x="3046562" y="5287680"/>
+            <a:off x="3851367" y="5287680"/>
             <a:ext cx="5876619" cy="0"/>
           </a:xfrm>
           <a:prstGeom prst="line">
@@ -4588,10 +4629,10 @@
             <a:solidFill>
               <a:schemeClr val="accent2"/>
             </a:solidFill>
-            <a:prstDash val="dash"/>
+            <a:prstDash val="sysDot"/>
             <a:round/>
-            <a:headEnd type="arrow" w="med" len="med"/>
-            <a:tailEnd type="arrow" w="med" len="med"/>
+            <a:headEnd type="stealth" w="med" len="med"/>
+            <a:tailEnd type="stealth" w="med" len="med"/>
           </a:ln>
         </p:spPr>
         <p:style>
@@ -4631,8 +4672,8 @@
         </p:nvSpPr>
         <p:spPr>
           <a:xfrm>
-            <a:off x="4884923" y="4012141"/>
-            <a:ext cx="652957" cy="297492"/>
+            <a:off x="4957905" y="4094350"/>
+            <a:ext cx="652957" cy="369332"/>
           </a:xfrm>
           <a:prstGeom prst="rect">
             <a:avLst/>
@@ -4650,7 +4691,7 @@
           <a:lstStyle/>
           <a:p>
             <a:r>
-              <a:rPr lang="en-US" b="1" dirty="0"/>
+              <a:rPr lang="en-US" dirty="0"/>
               <a:t>FOV</a:t>
             </a:r>
           </a:p>
@@ -4670,20 +4711,20 @@
         </p:nvSpPr>
         <p:spPr>
           <a:xfrm rot="8165887">
-            <a:off x="6211145" y="3297756"/>
+            <a:off x="6220922" y="3536682"/>
             <a:ext cx="408334" cy="483680"/>
           </a:xfrm>
           <a:prstGeom prst="arc">
             <a:avLst>
-              <a:gd name="adj1" fmla="val 16414287"/>
+              <a:gd name="adj1" fmla="val 16974302"/>
               <a:gd name="adj2" fmla="val 0"/>
             </a:avLst>
           </a:prstGeom>
-          <a:ln w="38100" cap="flat" cmpd="sng" algn="ctr">
+          <a:ln w="19050" cap="flat" cmpd="sng" algn="ctr">
             <a:solidFill>
               <a:schemeClr val="accent2"/>
             </a:solidFill>
-            <a:prstDash val="solid"/>
+            <a:prstDash val="sysDot"/>
             <a:round/>
             <a:headEnd type="none" w="lg" len="sm"/>
             <a:tailEnd type="stealth" w="med" len="med"/>
@@ -4726,7 +4767,7 @@
         </p:nvSpPr>
         <p:spPr>
           <a:xfrm>
-            <a:off x="6783488" y="3532665"/>
+            <a:off x="6601219" y="3537050"/>
             <a:ext cx="1765951" cy="369332"/>
           </a:xfrm>
           <a:prstGeom prst="rect">
@@ -4849,7 +4890,7 @@
         </p:nvCxnSpPr>
         <p:spPr>
           <a:xfrm>
-            <a:off x="8860635" y="1597306"/>
+            <a:off x="9572694" y="1617909"/>
             <a:ext cx="1" cy="3689569"/>
           </a:xfrm>
           <a:prstGeom prst="straightConnector1">
@@ -4857,7 +4898,7 @@
           </a:prstGeom>
           <a:ln w="53975">
             <a:headEnd type="triangle"/>
-            <a:tailEnd type="triangle"/>
+            <a:tailEnd type="none"/>
           </a:ln>
         </p:spPr>
         <p:style>
@@ -4889,7 +4930,7 @@
         </p:nvSpPr>
         <p:spPr>
           <a:xfrm>
-            <a:off x="7973426" y="2228397"/>
+            <a:off x="8634936" y="1826286"/>
             <a:ext cx="1081298" cy="297492"/>
           </a:xfrm>
           <a:prstGeom prst="rect">
@@ -5185,6 +5226,140 @@
           </p:txBody>
         </p:sp>
       </p:grpSp>
+      <p:sp>
+        <p:nvSpPr>
+          <p:cNvPr id="3" name="Arc 2">
+            <a:extLst>
+              <a:ext uri="{FF2B5EF4-FFF2-40B4-BE49-F238E27FC236}">
+                <a16:creationId xmlns:a16="http://schemas.microsoft.com/office/drawing/2014/main" id="{BFD23D12-DB4E-19BF-845B-2FEA7B74C8BE}"/>
+              </a:ext>
+            </a:extLst>
+          </p:cNvPr>
+          <p:cNvSpPr/>
+          <p:nvPr/>
+        </p:nvSpPr>
+        <p:spPr>
+          <a:xfrm rot="8866385">
+            <a:off x="6490108" y="4542597"/>
+            <a:ext cx="599138" cy="332245"/>
+          </a:xfrm>
+          <a:prstGeom prst="arc">
+            <a:avLst>
+              <a:gd name="adj1" fmla="val 17312687"/>
+              <a:gd name="adj2" fmla="val 0"/>
+            </a:avLst>
+          </a:prstGeom>
+          <a:ln w="19050" cap="flat" cmpd="sng" algn="ctr">
+            <a:solidFill>
+              <a:schemeClr val="accent2"/>
+            </a:solidFill>
+            <a:prstDash val="sysDot"/>
+            <a:round/>
+            <a:headEnd type="stealth" w="med" len="med"/>
+            <a:tailEnd type="none" w="med" len="med"/>
+          </a:ln>
+        </p:spPr>
+        <p:style>
+          <a:lnRef idx="0">
+            <a:scrgbClr r="0" g="0" b="0"/>
+          </a:lnRef>
+          <a:fillRef idx="0">
+            <a:scrgbClr r="0" g="0" b="0"/>
+          </a:fillRef>
+          <a:effectRef idx="0">
+            <a:scrgbClr r="0" g="0" b="0"/>
+          </a:effectRef>
+          <a:fontRef idx="minor">
+            <a:schemeClr val="tx1"/>
+          </a:fontRef>
+        </p:style>
+        <p:txBody>
+          <a:bodyPr rtlCol="0" anchor="ctr"/>
+          <a:lstStyle/>
+          <a:p>
+            <a:pPr algn="ctr"/>
+            <a:endParaRPr lang="en-US"/>
+          </a:p>
+        </p:txBody>
+      </p:sp>
+      <p:sp>
+        <p:nvSpPr>
+          <p:cNvPr id="6" name="TextBox 5">
+            <a:extLst>
+              <a:ext uri="{FF2B5EF4-FFF2-40B4-BE49-F238E27FC236}">
+                <a16:creationId xmlns:a16="http://schemas.microsoft.com/office/drawing/2014/main" id="{3464C87A-DDD2-B415-2DBC-48D64E56C2F1}"/>
+              </a:ext>
+            </a:extLst>
+          </p:cNvPr>
+          <p:cNvSpPr txBox="1"/>
+          <p:nvPr/>
+        </p:nvSpPr>
+        <p:spPr>
+          <a:xfrm>
+            <a:off x="6906676" y="4708991"/>
+            <a:ext cx="2465732" cy="369332"/>
+          </a:xfrm>
+          <a:prstGeom prst="rect">
+            <a:avLst/>
+          </a:prstGeom>
+          <a:solidFill>
+            <a:schemeClr val="bg2"/>
+          </a:solidFill>
+        </p:spPr>
+        <p:txBody>
+          <a:bodyPr wrap="square">
+            <a:spAutoFit/>
+          </a:bodyPr>
+          <a:lstStyle/>
+          <a:p>
+            <a:r>
+              <a:rPr lang="en-US" dirty="0"/>
+              <a:t>FOV/2 - Camera_angle</a:t>
+            </a:r>
+          </a:p>
+        </p:txBody>
+      </p:sp>
+      <p:cxnSp>
+        <p:nvCxnSpPr>
+          <p:cNvPr id="7" name="Straight Connector 6">
+            <a:extLst>
+              <a:ext uri="{FF2B5EF4-FFF2-40B4-BE49-F238E27FC236}">
+                <a16:creationId xmlns:a16="http://schemas.microsoft.com/office/drawing/2014/main" id="{E3F1C663-C6A2-01D7-0F4D-D4D75FAB0CEA}"/>
+              </a:ext>
+            </a:extLst>
+          </p:cNvPr>
+          <p:cNvCxnSpPr>
+            <a:cxnSpLocks/>
+          </p:cNvCxnSpPr>
+          <p:nvPr/>
+        </p:nvCxnSpPr>
+        <p:spPr>
+          <a:xfrm flipH="1">
+            <a:off x="6498783" y="1597306"/>
+            <a:ext cx="3073911" cy="0"/>
+          </a:xfrm>
+          <a:prstGeom prst="line">
+            <a:avLst/>
+          </a:prstGeom>
+          <a:ln>
+            <a:prstDash val="sysDot"/>
+          </a:ln>
+        </p:spPr>
+        <p:style>
+          <a:lnRef idx="2">
+            <a:schemeClr val="accent1"/>
+          </a:lnRef>
+          <a:fillRef idx="0">
+            <a:schemeClr val="accent1"/>
+          </a:fillRef>
+          <a:effectRef idx="1">
+            <a:schemeClr val="accent1"/>
+          </a:effectRef>
+          <a:fontRef idx="minor">
+            <a:schemeClr val="tx1"/>
+          </a:fontRef>
+        </p:style>
+      </p:cxnSp>
     </p:spTree>
     <p:extLst>
       <p:ext uri="{BB962C8B-B14F-4D97-AF65-F5344CB8AC3E}">

--- a/assets/CH_assets/diagrams.pptx
+++ b/assets/CH_assets/diagrams.pptx
@@ -260,7 +260,7 @@
           <a:p>
             <a:fld id="{546F6BE1-E150-4405-AD34-6C987C8B2B3E}" type="datetimeFigureOut">
               <a:rPr lang="en-US" smtClean="0"/>
-              <a:t>4/8/2025</a:t>
+              <a:t>4/9/2025</a:t>
             </a:fld>
             <a:endParaRPr lang="en-US"/>
           </a:p>
@@ -458,7 +458,7 @@
           <a:p>
             <a:fld id="{546F6BE1-E150-4405-AD34-6C987C8B2B3E}" type="datetimeFigureOut">
               <a:rPr lang="en-US" smtClean="0"/>
-              <a:t>4/8/2025</a:t>
+              <a:t>4/9/2025</a:t>
             </a:fld>
             <a:endParaRPr lang="en-US"/>
           </a:p>
@@ -666,7 +666,7 @@
           <a:p>
             <a:fld id="{546F6BE1-E150-4405-AD34-6C987C8B2B3E}" type="datetimeFigureOut">
               <a:rPr lang="en-US" smtClean="0"/>
-              <a:t>4/8/2025</a:t>
+              <a:t>4/9/2025</a:t>
             </a:fld>
             <a:endParaRPr lang="en-US"/>
           </a:p>
@@ -864,7 +864,7 @@
           <a:p>
             <a:fld id="{546F6BE1-E150-4405-AD34-6C987C8B2B3E}" type="datetimeFigureOut">
               <a:rPr lang="en-US" smtClean="0"/>
-              <a:t>4/8/2025</a:t>
+              <a:t>4/9/2025</a:t>
             </a:fld>
             <a:endParaRPr lang="en-US"/>
           </a:p>
@@ -1139,7 +1139,7 @@
           <a:p>
             <a:fld id="{546F6BE1-E150-4405-AD34-6C987C8B2B3E}" type="datetimeFigureOut">
               <a:rPr lang="en-US" smtClean="0"/>
-              <a:t>4/8/2025</a:t>
+              <a:t>4/9/2025</a:t>
             </a:fld>
             <a:endParaRPr lang="en-US"/>
           </a:p>
@@ -1404,7 +1404,7 @@
           <a:p>
             <a:fld id="{546F6BE1-E150-4405-AD34-6C987C8B2B3E}" type="datetimeFigureOut">
               <a:rPr lang="en-US" smtClean="0"/>
-              <a:t>4/8/2025</a:t>
+              <a:t>4/9/2025</a:t>
             </a:fld>
             <a:endParaRPr lang="en-US"/>
           </a:p>
@@ -1816,7 +1816,7 @@
           <a:p>
             <a:fld id="{546F6BE1-E150-4405-AD34-6C987C8B2B3E}" type="datetimeFigureOut">
               <a:rPr lang="en-US" smtClean="0"/>
-              <a:t>4/8/2025</a:t>
+              <a:t>4/9/2025</a:t>
             </a:fld>
             <a:endParaRPr lang="en-US"/>
           </a:p>
@@ -1957,7 +1957,7 @@
           <a:p>
             <a:fld id="{546F6BE1-E150-4405-AD34-6C987C8B2B3E}" type="datetimeFigureOut">
               <a:rPr lang="en-US" smtClean="0"/>
-              <a:t>4/8/2025</a:t>
+              <a:t>4/9/2025</a:t>
             </a:fld>
             <a:endParaRPr lang="en-US"/>
           </a:p>
@@ -2070,7 +2070,7 @@
           <a:p>
             <a:fld id="{546F6BE1-E150-4405-AD34-6C987C8B2B3E}" type="datetimeFigureOut">
               <a:rPr lang="en-US" smtClean="0"/>
-              <a:t>4/8/2025</a:t>
+              <a:t>4/9/2025</a:t>
             </a:fld>
             <a:endParaRPr lang="en-US"/>
           </a:p>
@@ -2381,7 +2381,7 @@
           <a:p>
             <a:fld id="{546F6BE1-E150-4405-AD34-6C987C8B2B3E}" type="datetimeFigureOut">
               <a:rPr lang="en-US" smtClean="0"/>
-              <a:t>4/8/2025</a:t>
+              <a:t>4/9/2025</a:t>
             </a:fld>
             <a:endParaRPr lang="en-US"/>
           </a:p>
@@ -2669,7 +2669,7 @@
           <a:p>
             <a:fld id="{546F6BE1-E150-4405-AD34-6C987C8B2B3E}" type="datetimeFigureOut">
               <a:rPr lang="en-US" smtClean="0"/>
-              <a:t>4/8/2025</a:t>
+              <a:t>4/9/2025</a:t>
             </a:fld>
             <a:endParaRPr lang="en-US"/>
           </a:p>
@@ -2910,7 +2910,7 @@
           <a:p>
             <a:fld id="{546F6BE1-E150-4405-AD34-6C987C8B2B3E}" type="datetimeFigureOut">
               <a:rPr lang="en-US" smtClean="0"/>
-              <a:t>4/8/2025</a:t>
+              <a:t>4/9/2025</a:t>
             </a:fld>
             <a:endParaRPr lang="en-US"/>
           </a:p>
@@ -3638,7 +3638,7 @@
         </p:nvSpPr>
         <p:spPr>
           <a:xfrm>
-            <a:off x="3968039" y="3625296"/>
+            <a:off x="3577636" y="2692598"/>
             <a:ext cx="641805" cy="369332"/>
           </a:xfrm>
           <a:prstGeom prst="rect">
@@ -3903,7 +3903,7 @@
         </p:nvSpPr>
         <p:spPr>
           <a:xfrm>
-            <a:off x="3148675" y="4668493"/>
+            <a:off x="1044481" y="3395879"/>
             <a:ext cx="2471980" cy="369332"/>
           </a:xfrm>
           <a:prstGeom prst="rect">

--- a/assets/CH_assets/diagrams.pptx
+++ b/assets/CH_assets/diagrams.pptx
@@ -260,7 +260,7 @@
           <a:p>
             <a:fld id="{546F6BE1-E150-4405-AD34-6C987C8B2B3E}" type="datetimeFigureOut">
               <a:rPr lang="en-US" smtClean="0"/>
-              <a:t>4/9/2025</a:t>
+              <a:t>4/10/2025</a:t>
             </a:fld>
             <a:endParaRPr lang="en-US"/>
           </a:p>
@@ -458,7 +458,7 @@
           <a:p>
             <a:fld id="{546F6BE1-E150-4405-AD34-6C987C8B2B3E}" type="datetimeFigureOut">
               <a:rPr lang="en-US" smtClean="0"/>
-              <a:t>4/9/2025</a:t>
+              <a:t>4/10/2025</a:t>
             </a:fld>
             <a:endParaRPr lang="en-US"/>
           </a:p>
@@ -666,7 +666,7 @@
           <a:p>
             <a:fld id="{546F6BE1-E150-4405-AD34-6C987C8B2B3E}" type="datetimeFigureOut">
               <a:rPr lang="en-US" smtClean="0"/>
-              <a:t>4/9/2025</a:t>
+              <a:t>4/10/2025</a:t>
             </a:fld>
             <a:endParaRPr lang="en-US"/>
           </a:p>
@@ -864,7 +864,7 @@
           <a:p>
             <a:fld id="{546F6BE1-E150-4405-AD34-6C987C8B2B3E}" type="datetimeFigureOut">
               <a:rPr lang="en-US" smtClean="0"/>
-              <a:t>4/9/2025</a:t>
+              <a:t>4/10/2025</a:t>
             </a:fld>
             <a:endParaRPr lang="en-US"/>
           </a:p>
@@ -1139,7 +1139,7 @@
           <a:p>
             <a:fld id="{546F6BE1-E150-4405-AD34-6C987C8B2B3E}" type="datetimeFigureOut">
               <a:rPr lang="en-US" smtClean="0"/>
-              <a:t>4/9/2025</a:t>
+              <a:t>4/10/2025</a:t>
             </a:fld>
             <a:endParaRPr lang="en-US"/>
           </a:p>
@@ -1404,7 +1404,7 @@
           <a:p>
             <a:fld id="{546F6BE1-E150-4405-AD34-6C987C8B2B3E}" type="datetimeFigureOut">
               <a:rPr lang="en-US" smtClean="0"/>
-              <a:t>4/9/2025</a:t>
+              <a:t>4/10/2025</a:t>
             </a:fld>
             <a:endParaRPr lang="en-US"/>
           </a:p>
@@ -1816,7 +1816,7 @@
           <a:p>
             <a:fld id="{546F6BE1-E150-4405-AD34-6C987C8B2B3E}" type="datetimeFigureOut">
               <a:rPr lang="en-US" smtClean="0"/>
-              <a:t>4/9/2025</a:t>
+              <a:t>4/10/2025</a:t>
             </a:fld>
             <a:endParaRPr lang="en-US"/>
           </a:p>
@@ -1957,7 +1957,7 @@
           <a:p>
             <a:fld id="{546F6BE1-E150-4405-AD34-6C987C8B2B3E}" type="datetimeFigureOut">
               <a:rPr lang="en-US" smtClean="0"/>
-              <a:t>4/9/2025</a:t>
+              <a:t>4/10/2025</a:t>
             </a:fld>
             <a:endParaRPr lang="en-US"/>
           </a:p>
@@ -2070,7 +2070,7 @@
           <a:p>
             <a:fld id="{546F6BE1-E150-4405-AD34-6C987C8B2B3E}" type="datetimeFigureOut">
               <a:rPr lang="en-US" smtClean="0"/>
-              <a:t>4/9/2025</a:t>
+              <a:t>4/10/2025</a:t>
             </a:fld>
             <a:endParaRPr lang="en-US"/>
           </a:p>
@@ -2381,7 +2381,7 @@
           <a:p>
             <a:fld id="{546F6BE1-E150-4405-AD34-6C987C8B2B3E}" type="datetimeFigureOut">
               <a:rPr lang="en-US" smtClean="0"/>
-              <a:t>4/9/2025</a:t>
+              <a:t>4/10/2025</a:t>
             </a:fld>
             <a:endParaRPr lang="en-US"/>
           </a:p>
@@ -2669,7 +2669,7 @@
           <a:p>
             <a:fld id="{546F6BE1-E150-4405-AD34-6C987C8B2B3E}" type="datetimeFigureOut">
               <a:rPr lang="en-US" smtClean="0"/>
-              <a:t>4/9/2025</a:t>
+              <a:t>4/10/2025</a:t>
             </a:fld>
             <a:endParaRPr lang="en-US"/>
           </a:p>
@@ -2910,7 +2910,7 @@
           <a:p>
             <a:fld id="{546F6BE1-E150-4405-AD34-6C987C8B2B3E}" type="datetimeFigureOut">
               <a:rPr lang="en-US" smtClean="0"/>
-              <a:t>4/9/2025</a:t>
+              <a:t>4/10/2025</a:t>
             </a:fld>
             <a:endParaRPr lang="en-US"/>
           </a:p>
@@ -3327,6 +3327,50 @@
           <a:chExt cx="0" cy="0"/>
         </a:xfrm>
       </p:grpSpPr>
+      <p:cxnSp>
+        <p:nvCxnSpPr>
+          <p:cNvPr id="17" name="Straight Connector 16">
+            <a:extLst>
+              <a:ext uri="{FF2B5EF4-FFF2-40B4-BE49-F238E27FC236}">
+                <a16:creationId xmlns:a16="http://schemas.microsoft.com/office/drawing/2014/main" id="{8CF76DF1-353D-7871-58EA-FEFC61AAA195}"/>
+              </a:ext>
+            </a:extLst>
+          </p:cNvPr>
+          <p:cNvCxnSpPr/>
+          <p:nvPr/>
+        </p:nvCxnSpPr>
+        <p:spPr>
+          <a:xfrm flipH="1">
+            <a:off x="3057720" y="1469985"/>
+            <a:ext cx="2861688" cy="4158979"/>
+          </a:xfrm>
+          <a:prstGeom prst="line">
+            <a:avLst/>
+          </a:prstGeom>
+          <a:ln w="38100">
+            <a:solidFill>
+              <a:schemeClr val="bg2">
+                <a:lumMod val="75000"/>
+              </a:schemeClr>
+            </a:solidFill>
+            <a:tailEnd type="triangle"/>
+          </a:ln>
+        </p:spPr>
+        <p:style>
+          <a:lnRef idx="2">
+            <a:schemeClr val="accent1"/>
+          </a:lnRef>
+          <a:fillRef idx="0">
+            <a:schemeClr val="accent1"/>
+          </a:fillRef>
+          <a:effectRef idx="1">
+            <a:schemeClr val="accent1"/>
+          </a:effectRef>
+          <a:fontRef idx="minor">
+            <a:schemeClr val="tx1"/>
+          </a:fontRef>
+        </p:style>
+      </p:cxnSp>
       <p:sp>
         <p:nvSpPr>
           <p:cNvPr id="46" name="Rectangle 45">
@@ -3341,7 +3385,7 @@
         </p:nvSpPr>
         <p:spPr>
           <a:xfrm>
-            <a:off x="5744410" y="5435304"/>
+            <a:off x="5729170" y="5442924"/>
             <a:ext cx="188297" cy="183052"/>
           </a:xfrm>
           <a:prstGeom prst="rect">
@@ -3392,8 +3436,8 @@
         </p:nvCxnSpPr>
         <p:spPr>
           <a:xfrm>
-            <a:off x="955615" y="5628965"/>
-            <a:ext cx="6624281" cy="0"/>
+            <a:off x="495300" y="5628965"/>
+            <a:ext cx="7084596" cy="0"/>
           </a:xfrm>
           <a:prstGeom prst="line">
             <a:avLst/>
@@ -3532,42 +3576,6 @@
           </a:fontRef>
         </p:style>
       </p:cxnSp>
-      <p:cxnSp>
-        <p:nvCxnSpPr>
-          <p:cNvPr id="17" name="Straight Connector 16">
-            <a:extLst>
-              <a:ext uri="{FF2B5EF4-FFF2-40B4-BE49-F238E27FC236}">
-                <a16:creationId xmlns:a16="http://schemas.microsoft.com/office/drawing/2014/main" id="{8CF76DF1-353D-7871-58EA-FEFC61AAA195}"/>
-              </a:ext>
-            </a:extLst>
-          </p:cNvPr>
-          <p:cNvCxnSpPr/>
-          <p:nvPr/>
-        </p:nvCxnSpPr>
-        <p:spPr>
-          <a:xfrm flipH="1">
-            <a:off x="3057720" y="1469985"/>
-            <a:ext cx="2861688" cy="4158979"/>
-          </a:xfrm>
-          <a:prstGeom prst="line">
-            <a:avLst/>
-          </a:prstGeom>
-        </p:spPr>
-        <p:style>
-          <a:lnRef idx="2">
-            <a:schemeClr val="accent1"/>
-          </a:lnRef>
-          <a:fillRef idx="0">
-            <a:schemeClr val="accent1"/>
-          </a:fillRef>
-          <a:effectRef idx="1">
-            <a:schemeClr val="accent1"/>
-          </a:effectRef>
-          <a:fontRef idx="minor">
-            <a:schemeClr val="tx1"/>
-          </a:fontRef>
-        </p:style>
-      </p:cxnSp>
       <p:sp>
         <p:nvSpPr>
           <p:cNvPr id="19" name="Arc 18">
@@ -3581,19 +3589,19 @@
           <p:nvPr/>
         </p:nvSpPr>
         <p:spPr>
-          <a:xfrm rot="10109841">
-            <a:off x="4241874" y="2356908"/>
-            <a:ext cx="1757642" cy="1254196"/>
+          <a:xfrm rot="8775293">
+            <a:off x="3641177" y="1774154"/>
+            <a:ext cx="2048443" cy="2488236"/>
           </a:xfrm>
           <a:prstGeom prst="arc">
             <a:avLst>
-              <a:gd name="adj1" fmla="val 17312687"/>
+              <a:gd name="adj1" fmla="val 17729081"/>
               <a:gd name="adj2" fmla="val 0"/>
             </a:avLst>
           </a:prstGeom>
-          <a:ln w="19050" cap="flat" cmpd="sng" algn="ctr">
+          <a:ln w="31750" cap="flat" cmpd="sng" algn="ctr">
             <a:solidFill>
-              <a:schemeClr val="accent2"/>
+              <a:srgbClr val="00B050"/>
             </a:solidFill>
             <a:prstDash val="sysDot"/>
             <a:round/>
@@ -3638,16 +3646,14 @@
         </p:nvSpPr>
         <p:spPr>
           <a:xfrm>
-            <a:off x="3577636" y="2692598"/>
+            <a:off x="3102546" y="3247555"/>
             <a:ext cx="641805" cy="369332"/>
           </a:xfrm>
           <a:prstGeom prst="rect">
             <a:avLst/>
           </a:prstGeom>
           <a:solidFill>
-            <a:schemeClr val="bg2">
-              <a:lumMod val="90000"/>
-            </a:schemeClr>
+            <a:schemeClr val="bg2"/>
           </a:solidFill>
         </p:spPr>
         <p:txBody>
@@ -3676,12 +3682,15 @@
           <p:nvPr/>
         </p:nvSpPr>
         <p:spPr>
-          <a:xfrm rot="8165887">
-            <a:off x="4796683" y="1672773"/>
-            <a:ext cx="1227700" cy="1492671"/>
+          <a:xfrm rot="8991419">
+            <a:off x="4822379" y="1772389"/>
+            <a:ext cx="1436930" cy="1618956"/>
           </a:xfrm>
           <a:prstGeom prst="arc">
-            <a:avLst/>
+            <a:avLst>
+              <a:gd name="adj1" fmla="val 16478451"/>
+              <a:gd name="adj2" fmla="val 0"/>
+            </a:avLst>
           </a:prstGeom>
           <a:ln w="19050" cap="flat" cmpd="sng" algn="ctr">
             <a:solidFill>
@@ -3730,7 +3739,7 @@
         </p:nvSpPr>
         <p:spPr>
           <a:xfrm>
-            <a:off x="5265665" y="2507932"/>
+            <a:off x="5152980" y="2711642"/>
             <a:ext cx="1735022" cy="369332"/>
           </a:xfrm>
           <a:prstGeom prst="rect">
@@ -3846,19 +3855,19 @@
           <p:nvPr/>
         </p:nvSpPr>
         <p:spPr>
-          <a:xfrm rot="10581475">
-            <a:off x="3503040" y="2650953"/>
-            <a:ext cx="2710293" cy="1876416"/>
+          <a:xfrm rot="11212759">
+            <a:off x="3182997" y="2900094"/>
+            <a:ext cx="3510641" cy="2385155"/>
           </a:xfrm>
           <a:prstGeom prst="arc">
             <a:avLst>
-              <a:gd name="adj1" fmla="val 12775745"/>
-              <a:gd name="adj2" fmla="val 21134981"/>
+              <a:gd name="adj1" fmla="val 13280173"/>
+              <a:gd name="adj2" fmla="val 20926085"/>
             </a:avLst>
           </a:prstGeom>
           <a:ln w="19050" cap="flat" cmpd="sng" algn="ctr">
             <a:solidFill>
-              <a:srgbClr val="00B0F0"/>
+              <a:srgbClr val="0070C0"/>
             </a:solidFill>
             <a:prstDash val="sysDot"/>
             <a:round/>
@@ -3903,7 +3912,7 @@
         </p:nvSpPr>
         <p:spPr>
           <a:xfrm>
-            <a:off x="1044481" y="3395879"/>
+            <a:off x="566881" y="3938919"/>
             <a:ext cx="2471980" cy="369332"/>
           </a:xfrm>
           <a:prstGeom prst="rect">
@@ -4319,6 +4328,143 @@
           </a:fontRef>
         </p:style>
       </p:cxnSp>
+      <p:sp>
+        <p:nvSpPr>
+          <p:cNvPr id="2" name="TextBox 1">
+            <a:extLst>
+              <a:ext uri="{FF2B5EF4-FFF2-40B4-BE49-F238E27FC236}">
+                <a16:creationId xmlns:a16="http://schemas.microsoft.com/office/drawing/2014/main" id="{08169459-8E11-40E2-AA6B-513BD2494B0C}"/>
+              </a:ext>
+            </a:extLst>
+          </p:cNvPr>
+          <p:cNvSpPr txBox="1"/>
+          <p:nvPr/>
+        </p:nvSpPr>
+        <p:spPr>
+          <a:xfrm>
+            <a:off x="566881" y="1588122"/>
+            <a:ext cx="3595074" cy="369332"/>
+          </a:xfrm>
+          <a:prstGeom prst="rect">
+            <a:avLst/>
+          </a:prstGeom>
+          <a:noFill/>
+        </p:spPr>
+        <p:txBody>
+          <a:bodyPr wrap="square" rtlCol="0">
+            <a:spAutoFit/>
+          </a:bodyPr>
+          <a:lstStyle/>
+          <a:p>
+            <a:r>
+              <a:rPr lang="it-IT" b="1" dirty="0">
+                <a:solidFill>
+                  <a:srgbClr val="0070C0"/>
+                </a:solidFill>
+              </a:rPr>
+              <a:t>When Camera_angle ≥ FOV/2:</a:t>
+            </a:r>
+            <a:endParaRPr lang="en-US" b="1" dirty="0">
+              <a:solidFill>
+                <a:srgbClr val="0070C0"/>
+              </a:solidFill>
+            </a:endParaRPr>
+          </a:p>
+        </p:txBody>
+      </p:sp>
+      <p:sp>
+        <p:nvSpPr>
+          <p:cNvPr id="4" name="Arc 3">
+            <a:extLst>
+              <a:ext uri="{FF2B5EF4-FFF2-40B4-BE49-F238E27FC236}">
+                <a16:creationId xmlns:a16="http://schemas.microsoft.com/office/drawing/2014/main" id="{CB155EB3-2CFF-22AF-81C4-D4DE37C68F9B}"/>
+              </a:ext>
+            </a:extLst>
+          </p:cNvPr>
+          <p:cNvSpPr/>
+          <p:nvPr/>
+        </p:nvSpPr>
+        <p:spPr>
+          <a:xfrm rot="9376806">
+            <a:off x="4311571" y="2616150"/>
+            <a:ext cx="541020" cy="721174"/>
+          </a:xfrm>
+          <a:prstGeom prst="arc">
+            <a:avLst>
+              <a:gd name="adj1" fmla="val 17312687"/>
+              <a:gd name="adj2" fmla="val 0"/>
+            </a:avLst>
+          </a:prstGeom>
+          <a:ln w="25400" cap="flat" cmpd="sng" algn="ctr">
+            <a:solidFill>
+              <a:schemeClr val="accent2"/>
+            </a:solidFill>
+            <a:prstDash val="sysDot"/>
+            <a:round/>
+            <a:headEnd type="none" w="med" len="med"/>
+            <a:tailEnd type="stealth" w="med" len="med"/>
+          </a:ln>
+        </p:spPr>
+        <p:style>
+          <a:lnRef idx="0">
+            <a:scrgbClr r="0" g="0" b="0"/>
+          </a:lnRef>
+          <a:fillRef idx="0">
+            <a:scrgbClr r="0" g="0" b="0"/>
+          </a:fillRef>
+          <a:effectRef idx="0">
+            <a:scrgbClr r="0" g="0" b="0"/>
+          </a:effectRef>
+          <a:fontRef idx="minor">
+            <a:schemeClr val="tx1"/>
+          </a:fontRef>
+        </p:style>
+        <p:txBody>
+          <a:bodyPr rtlCol="0" anchor="ctr"/>
+          <a:lstStyle/>
+          <a:p>
+            <a:pPr algn="ctr"/>
+            <a:endParaRPr lang="en-US"/>
+          </a:p>
+        </p:txBody>
+      </p:sp>
+      <p:sp>
+        <p:nvSpPr>
+          <p:cNvPr id="6" name="TextBox 5">
+            <a:extLst>
+              <a:ext uri="{FF2B5EF4-FFF2-40B4-BE49-F238E27FC236}">
+                <a16:creationId xmlns:a16="http://schemas.microsoft.com/office/drawing/2014/main" id="{47EDCF60-EAA6-FC9E-B72E-1DAB0753E3F9}"/>
+              </a:ext>
+            </a:extLst>
+          </p:cNvPr>
+          <p:cNvSpPr txBox="1"/>
+          <p:nvPr/>
+        </p:nvSpPr>
+        <p:spPr>
+          <a:xfrm>
+            <a:off x="3490733" y="2662538"/>
+            <a:ext cx="827183" cy="369332"/>
+          </a:xfrm>
+          <a:prstGeom prst="rect">
+            <a:avLst/>
+          </a:prstGeom>
+          <a:solidFill>
+            <a:schemeClr val="bg2"/>
+          </a:solidFill>
+        </p:spPr>
+        <p:txBody>
+          <a:bodyPr wrap="square" rtlCol="0">
+            <a:spAutoFit/>
+          </a:bodyPr>
+          <a:lstStyle/>
+          <a:p>
+            <a:r>
+              <a:rPr lang="en-US" dirty="0"/>
+              <a:t>FOV/2</a:t>
+            </a:r>
+          </a:p>
+        </p:txBody>
+      </p:sp>
     </p:spTree>
     <p:extLst>
       <p:ext uri="{BB962C8B-B14F-4D97-AF65-F5344CB8AC3E}">
@@ -4355,6 +4501,52 @@
           <a:chExt cx="0" cy="0"/>
         </a:xfrm>
       </p:grpSpPr>
+      <p:cxnSp>
+        <p:nvCxnSpPr>
+          <p:cNvPr id="17" name="Straight Connector 16">
+            <a:extLst>
+              <a:ext uri="{FF2B5EF4-FFF2-40B4-BE49-F238E27FC236}">
+                <a16:creationId xmlns:a16="http://schemas.microsoft.com/office/drawing/2014/main" id="{55D27708-7BB7-3419-4EAF-8CEE2D96724A}"/>
+              </a:ext>
+            </a:extLst>
+          </p:cNvPr>
+          <p:cNvCxnSpPr>
+            <a:cxnSpLocks/>
+          </p:cNvCxnSpPr>
+          <p:nvPr/>
+        </p:nvCxnSpPr>
+        <p:spPr>
+          <a:xfrm flipH="1">
+            <a:off x="6148888" y="1597306"/>
+            <a:ext cx="392931" cy="3710172"/>
+          </a:xfrm>
+          <a:prstGeom prst="line">
+            <a:avLst/>
+          </a:prstGeom>
+          <a:ln w="38100">
+            <a:solidFill>
+              <a:schemeClr val="bg2">
+                <a:lumMod val="75000"/>
+              </a:schemeClr>
+            </a:solidFill>
+            <a:tailEnd type="triangle"/>
+          </a:ln>
+        </p:spPr>
+        <p:style>
+          <a:lnRef idx="2">
+            <a:schemeClr val="accent1"/>
+          </a:lnRef>
+          <a:fillRef idx="0">
+            <a:schemeClr val="accent1"/>
+          </a:fillRef>
+          <a:effectRef idx="1">
+            <a:schemeClr val="accent1"/>
+          </a:effectRef>
+          <a:fontRef idx="minor">
+            <a:schemeClr val="tx1"/>
+          </a:fontRef>
+        </p:style>
+      </p:cxnSp>
       <p:sp>
         <p:nvSpPr>
           <p:cNvPr id="31" name="Rectangle 30">
@@ -4420,8 +4612,8 @@
         </p:nvCxnSpPr>
         <p:spPr>
           <a:xfrm>
-            <a:off x="3851367" y="5287680"/>
-            <a:ext cx="5876619" cy="0"/>
+            <a:off x="2675038" y="5287680"/>
+            <a:ext cx="7052948" cy="0"/>
           </a:xfrm>
           <a:prstGeom prst="line">
             <a:avLst/>
@@ -4505,7 +4697,7 @@
         <p:spPr>
           <a:xfrm flipH="1">
             <a:off x="5427923" y="1597306"/>
-            <a:ext cx="1113897" cy="3634277"/>
+            <a:ext cx="1113897" cy="3688763"/>
           </a:xfrm>
           <a:prstGeom prst="line">
             <a:avLst/>
@@ -4564,44 +4756,6 @@
           </a:fontRef>
         </p:style>
       </p:cxnSp>
-      <p:cxnSp>
-        <p:nvCxnSpPr>
-          <p:cNvPr id="17" name="Straight Connector 16">
-            <a:extLst>
-              <a:ext uri="{FF2B5EF4-FFF2-40B4-BE49-F238E27FC236}">
-                <a16:creationId xmlns:a16="http://schemas.microsoft.com/office/drawing/2014/main" id="{55D27708-7BB7-3419-4EAF-8CEE2D96724A}"/>
-              </a:ext>
-            </a:extLst>
-          </p:cNvPr>
-          <p:cNvCxnSpPr>
-            <a:cxnSpLocks/>
-          </p:cNvCxnSpPr>
-          <p:nvPr/>
-        </p:nvCxnSpPr>
-        <p:spPr>
-          <a:xfrm flipH="1">
-            <a:off x="6116676" y="1597306"/>
-            <a:ext cx="425143" cy="3689569"/>
-          </a:xfrm>
-          <a:prstGeom prst="line">
-            <a:avLst/>
-          </a:prstGeom>
-        </p:spPr>
-        <p:style>
-          <a:lnRef idx="2">
-            <a:schemeClr val="accent1"/>
-          </a:lnRef>
-          <a:fillRef idx="0">
-            <a:schemeClr val="accent1"/>
-          </a:fillRef>
-          <a:effectRef idx="1">
-            <a:schemeClr val="accent1"/>
-          </a:effectRef>
-          <a:fontRef idx="minor">
-            <a:schemeClr val="tx1"/>
-          </a:fontRef>
-        </p:style>
-      </p:cxnSp>
       <p:sp>
         <p:nvSpPr>
           <p:cNvPr id="19" name="Arc 18">
@@ -4615,19 +4769,19 @@
           <p:nvPr/>
         </p:nvSpPr>
         <p:spPr>
-          <a:xfrm rot="8866385">
-            <a:off x="5518418" y="3025483"/>
-            <a:ext cx="2190349" cy="1480956"/>
+          <a:xfrm rot="8067715">
+            <a:off x="5713083" y="1805888"/>
+            <a:ext cx="2128991" cy="1372978"/>
           </a:xfrm>
           <a:prstGeom prst="arc">
             <a:avLst>
-              <a:gd name="adj1" fmla="val 17312687"/>
+              <a:gd name="adj1" fmla="val 19192638"/>
               <a:gd name="adj2" fmla="val 0"/>
             </a:avLst>
           </a:prstGeom>
-          <a:ln w="19050" cap="flat" cmpd="sng" algn="ctr">
+          <a:ln w="25400" cap="flat" cmpd="sng" algn="ctr">
             <a:solidFill>
-              <a:schemeClr val="accent2"/>
+              <a:srgbClr val="00B050"/>
             </a:solidFill>
             <a:prstDash val="sysDot"/>
             <a:round/>
@@ -4672,16 +4826,14 @@
         </p:nvSpPr>
         <p:spPr>
           <a:xfrm>
-            <a:off x="4957905" y="4094350"/>
+            <a:off x="6790832" y="3122392"/>
             <a:ext cx="652957" cy="369332"/>
           </a:xfrm>
           <a:prstGeom prst="rect">
             <a:avLst/>
           </a:prstGeom>
           <a:solidFill>
-            <a:schemeClr val="bg2">
-              <a:lumMod val="90000"/>
-            </a:schemeClr>
+            <a:schemeClr val="bg2"/>
           </a:solidFill>
         </p:spPr>
         <p:txBody>
@@ -4710,9 +4862,9 @@
           <p:nvPr/>
         </p:nvSpPr>
         <p:spPr>
-          <a:xfrm rot="8165887">
-            <a:off x="6220922" y="3536682"/>
-            <a:ext cx="408334" cy="483680"/>
+          <a:xfrm rot="7825112">
+            <a:off x="6174383" y="4006416"/>
+            <a:ext cx="412125" cy="463136"/>
           </a:xfrm>
           <a:prstGeom prst="arc">
             <a:avLst>
@@ -4767,8 +4919,8 @@
         </p:nvSpPr>
         <p:spPr>
           <a:xfrm>
-            <a:off x="6601219" y="3537050"/>
-            <a:ext cx="1765951" cy="369332"/>
+            <a:off x="4525954" y="4203851"/>
+            <a:ext cx="1622934" cy="369332"/>
           </a:xfrm>
           <a:prstGeom prst="rect">
             <a:avLst/>
@@ -5115,7 +5267,7 @@
         </p:nvGrpSpPr>
         <p:grpSpPr>
           <a:xfrm rot="540497">
-            <a:off x="6281707" y="226260"/>
+            <a:off x="6296947" y="226260"/>
             <a:ext cx="731520" cy="1376073"/>
             <a:chOff x="3506993" y="680936"/>
             <a:chExt cx="731520" cy="1376073"/>
@@ -5251,7 +5403,7 @@
           </a:prstGeom>
           <a:ln w="19050" cap="flat" cmpd="sng" algn="ctr">
             <a:solidFill>
-              <a:schemeClr val="accent2"/>
+              <a:srgbClr val="0070C0"/>
             </a:solidFill>
             <a:prstDash val="sysDot"/>
             <a:round/>
@@ -5330,13 +5482,14 @@
           </p:cNvPr>
           <p:cNvCxnSpPr>
             <a:cxnSpLocks/>
+            <a:endCxn id="24" idx="0"/>
           </p:cNvCxnSpPr>
           <p:nvPr/>
         </p:nvCxnSpPr>
         <p:spPr>
-          <a:xfrm flipH="1">
-            <a:off x="6498783" y="1597306"/>
-            <a:ext cx="3073911" cy="0"/>
+          <a:xfrm flipH="1" flipV="1">
+            <a:off x="6548750" y="1592860"/>
+            <a:ext cx="3023944" cy="4446"/>
           </a:xfrm>
           <a:prstGeom prst="line">
             <a:avLst/>
@@ -5360,6 +5513,143 @@
           </a:fontRef>
         </p:style>
       </p:cxnSp>
+      <p:sp>
+        <p:nvSpPr>
+          <p:cNvPr id="2" name="TextBox 1">
+            <a:extLst>
+              <a:ext uri="{FF2B5EF4-FFF2-40B4-BE49-F238E27FC236}">
+                <a16:creationId xmlns:a16="http://schemas.microsoft.com/office/drawing/2014/main" id="{825E55D0-52A8-E667-D7B2-2929EEC2156D}"/>
+              </a:ext>
+            </a:extLst>
+          </p:cNvPr>
+          <p:cNvSpPr txBox="1"/>
+          <p:nvPr/>
+        </p:nvSpPr>
+        <p:spPr>
+          <a:xfrm>
+            <a:off x="2626076" y="1717142"/>
+            <a:ext cx="3597176" cy="369332"/>
+          </a:xfrm>
+          <a:prstGeom prst="rect">
+            <a:avLst/>
+          </a:prstGeom>
+          <a:noFill/>
+        </p:spPr>
+        <p:txBody>
+          <a:bodyPr wrap="square" rtlCol="0">
+            <a:spAutoFit/>
+          </a:bodyPr>
+          <a:lstStyle/>
+          <a:p>
+            <a:r>
+              <a:rPr lang="it-IT" b="1" dirty="0">
+                <a:solidFill>
+                  <a:srgbClr val="0070C0"/>
+                </a:solidFill>
+              </a:rPr>
+              <a:t>When 0 ≤ Camera_angle &lt; FOV/2:</a:t>
+            </a:r>
+            <a:endParaRPr lang="en-US" b="1" dirty="0">
+              <a:solidFill>
+                <a:srgbClr val="0070C0"/>
+              </a:solidFill>
+            </a:endParaRPr>
+          </a:p>
+        </p:txBody>
+      </p:sp>
+      <p:sp>
+        <p:nvSpPr>
+          <p:cNvPr id="4" name="Arc 3">
+            <a:extLst>
+              <a:ext uri="{FF2B5EF4-FFF2-40B4-BE49-F238E27FC236}">
+                <a16:creationId xmlns:a16="http://schemas.microsoft.com/office/drawing/2014/main" id="{094C4292-E1BC-DF89-EDB9-591917D64DBD}"/>
+              </a:ext>
+            </a:extLst>
+          </p:cNvPr>
+          <p:cNvSpPr/>
+          <p:nvPr/>
+        </p:nvSpPr>
+        <p:spPr>
+          <a:xfrm rot="8802597">
+            <a:off x="6235282" y="3406205"/>
+            <a:ext cx="880751" cy="494676"/>
+          </a:xfrm>
+          <a:prstGeom prst="arc">
+            <a:avLst>
+              <a:gd name="adj1" fmla="val 17312687"/>
+              <a:gd name="adj2" fmla="val 0"/>
+            </a:avLst>
+          </a:prstGeom>
+          <a:ln w="19050" cap="flat" cmpd="sng" algn="ctr">
+            <a:solidFill>
+              <a:schemeClr val="accent2"/>
+            </a:solidFill>
+            <a:prstDash val="sysDot"/>
+            <a:round/>
+            <a:headEnd type="stealth" w="med" len="med"/>
+            <a:tailEnd type="none" w="med" len="med"/>
+          </a:ln>
+        </p:spPr>
+        <p:style>
+          <a:lnRef idx="0">
+            <a:scrgbClr r="0" g="0" b="0"/>
+          </a:lnRef>
+          <a:fillRef idx="0">
+            <a:scrgbClr r="0" g="0" b="0"/>
+          </a:fillRef>
+          <a:effectRef idx="0">
+            <a:scrgbClr r="0" g="0" b="0"/>
+          </a:effectRef>
+          <a:fontRef idx="minor">
+            <a:schemeClr val="tx1"/>
+          </a:fontRef>
+        </p:style>
+        <p:txBody>
+          <a:bodyPr rtlCol="0" anchor="ctr"/>
+          <a:lstStyle/>
+          <a:p>
+            <a:pPr algn="ctr"/>
+            <a:endParaRPr lang="en-US"/>
+          </a:p>
+        </p:txBody>
+      </p:sp>
+      <p:sp>
+        <p:nvSpPr>
+          <p:cNvPr id="8" name="TextBox 7">
+            <a:extLst>
+              <a:ext uri="{FF2B5EF4-FFF2-40B4-BE49-F238E27FC236}">
+                <a16:creationId xmlns:a16="http://schemas.microsoft.com/office/drawing/2014/main" id="{86FA66EC-6BD2-3193-C3E7-24C60EECAF23}"/>
+              </a:ext>
+            </a:extLst>
+          </p:cNvPr>
+          <p:cNvSpPr txBox="1"/>
+          <p:nvPr/>
+        </p:nvSpPr>
+        <p:spPr>
+          <a:xfrm>
+            <a:off x="6822803" y="3740457"/>
+            <a:ext cx="886453" cy="369332"/>
+          </a:xfrm>
+          <a:prstGeom prst="rect">
+            <a:avLst/>
+          </a:prstGeom>
+          <a:solidFill>
+            <a:schemeClr val="bg2"/>
+          </a:solidFill>
+        </p:spPr>
+        <p:txBody>
+          <a:bodyPr wrap="square" rtlCol="0">
+            <a:spAutoFit/>
+          </a:bodyPr>
+          <a:lstStyle/>
+          <a:p>
+            <a:r>
+              <a:rPr lang="en-US" dirty="0"/>
+              <a:t>FOV/2</a:t>
+            </a:r>
+          </a:p>
+        </p:txBody>
+      </p:sp>
     </p:spTree>
     <p:extLst>
       <p:ext uri="{BB962C8B-B14F-4D97-AF65-F5344CB8AC3E}">

--- a/assets/CH_assets/diagrams.pptx
+++ b/assets/CH_assets/diagrams.pptx
@@ -4401,7 +4401,7 @@
             </a:solidFill>
             <a:prstDash val="sysDot"/>
             <a:round/>
-            <a:headEnd type="none" w="med" len="med"/>
+            <a:headEnd type="stealth" w="med" len="med"/>
             <a:tailEnd type="stealth" w="med" len="med"/>
           </a:ln>
         </p:spPr>
@@ -4862,9 +4862,9 @@
           <p:nvPr/>
         </p:nvSpPr>
         <p:spPr>
-          <a:xfrm rot="7825112">
-            <a:off x="6174383" y="4006416"/>
-            <a:ext cx="412125" cy="463136"/>
+          <a:xfrm rot="7237497">
+            <a:off x="6194098" y="3970158"/>
+            <a:ext cx="307606" cy="540765"/>
           </a:xfrm>
           <a:prstGeom prst="arc">
             <a:avLst>
@@ -4878,7 +4878,7 @@
             </a:solidFill>
             <a:prstDash val="sysDot"/>
             <a:round/>
-            <a:headEnd type="none" w="lg" len="sm"/>
+            <a:headEnd type="stealth" w="med" len="med"/>
             <a:tailEnd type="stealth" w="med" len="med"/>
           </a:ln>
         </p:spPr>
@@ -5587,7 +5587,7 @@
             <a:prstDash val="sysDot"/>
             <a:round/>
             <a:headEnd type="stealth" w="med" len="med"/>
-            <a:tailEnd type="none" w="med" len="med"/>
+            <a:tailEnd type="stealth" w="med" len="med"/>
           </a:ln>
         </p:spPr>
         <p:style>

--- a/assets/CH_assets/diagrams.pptx
+++ b/assets/CH_assets/diagrams.pptx
@@ -260,7 +260,7 @@
           <a:p>
             <a:fld id="{546F6BE1-E150-4405-AD34-6C987C8B2B3E}" type="datetimeFigureOut">
               <a:rPr lang="en-US" smtClean="0"/>
-              <a:t>4/10/2025</a:t>
+              <a:t>4/12/2025</a:t>
             </a:fld>
             <a:endParaRPr lang="en-US"/>
           </a:p>
@@ -458,7 +458,7 @@
           <a:p>
             <a:fld id="{546F6BE1-E150-4405-AD34-6C987C8B2B3E}" type="datetimeFigureOut">
               <a:rPr lang="en-US" smtClean="0"/>
-              <a:t>4/10/2025</a:t>
+              <a:t>4/12/2025</a:t>
             </a:fld>
             <a:endParaRPr lang="en-US"/>
           </a:p>
@@ -666,7 +666,7 @@
           <a:p>
             <a:fld id="{546F6BE1-E150-4405-AD34-6C987C8B2B3E}" type="datetimeFigureOut">
               <a:rPr lang="en-US" smtClean="0"/>
-              <a:t>4/10/2025</a:t>
+              <a:t>4/12/2025</a:t>
             </a:fld>
             <a:endParaRPr lang="en-US"/>
           </a:p>
@@ -864,7 +864,7 @@
           <a:p>
             <a:fld id="{546F6BE1-E150-4405-AD34-6C987C8B2B3E}" type="datetimeFigureOut">
               <a:rPr lang="en-US" smtClean="0"/>
-              <a:t>4/10/2025</a:t>
+              <a:t>4/12/2025</a:t>
             </a:fld>
             <a:endParaRPr lang="en-US"/>
           </a:p>
@@ -1139,7 +1139,7 @@
           <a:p>
             <a:fld id="{546F6BE1-E150-4405-AD34-6C987C8B2B3E}" type="datetimeFigureOut">
               <a:rPr lang="en-US" smtClean="0"/>
-              <a:t>4/10/2025</a:t>
+              <a:t>4/12/2025</a:t>
             </a:fld>
             <a:endParaRPr lang="en-US"/>
           </a:p>
@@ -1404,7 +1404,7 @@
           <a:p>
             <a:fld id="{546F6BE1-E150-4405-AD34-6C987C8B2B3E}" type="datetimeFigureOut">
               <a:rPr lang="en-US" smtClean="0"/>
-              <a:t>4/10/2025</a:t>
+              <a:t>4/12/2025</a:t>
             </a:fld>
             <a:endParaRPr lang="en-US"/>
           </a:p>
@@ -1816,7 +1816,7 @@
           <a:p>
             <a:fld id="{546F6BE1-E150-4405-AD34-6C987C8B2B3E}" type="datetimeFigureOut">
               <a:rPr lang="en-US" smtClean="0"/>
-              <a:t>4/10/2025</a:t>
+              <a:t>4/12/2025</a:t>
             </a:fld>
             <a:endParaRPr lang="en-US"/>
           </a:p>
@@ -1957,7 +1957,7 @@
           <a:p>
             <a:fld id="{546F6BE1-E150-4405-AD34-6C987C8B2B3E}" type="datetimeFigureOut">
               <a:rPr lang="en-US" smtClean="0"/>
-              <a:t>4/10/2025</a:t>
+              <a:t>4/12/2025</a:t>
             </a:fld>
             <a:endParaRPr lang="en-US"/>
           </a:p>
@@ -2070,7 +2070,7 @@
           <a:p>
             <a:fld id="{546F6BE1-E150-4405-AD34-6C987C8B2B3E}" type="datetimeFigureOut">
               <a:rPr lang="en-US" smtClean="0"/>
-              <a:t>4/10/2025</a:t>
+              <a:t>4/12/2025</a:t>
             </a:fld>
             <a:endParaRPr lang="en-US"/>
           </a:p>
@@ -2381,7 +2381,7 @@
           <a:p>
             <a:fld id="{546F6BE1-E150-4405-AD34-6C987C8B2B3E}" type="datetimeFigureOut">
               <a:rPr lang="en-US" smtClean="0"/>
-              <a:t>4/10/2025</a:t>
+              <a:t>4/12/2025</a:t>
             </a:fld>
             <a:endParaRPr lang="en-US"/>
           </a:p>
@@ -2669,7 +2669,7 @@
           <a:p>
             <a:fld id="{546F6BE1-E150-4405-AD34-6C987C8B2B3E}" type="datetimeFigureOut">
               <a:rPr lang="en-US" smtClean="0"/>
-              <a:t>4/10/2025</a:t>
+              <a:t>4/12/2025</a:t>
             </a:fld>
             <a:endParaRPr lang="en-US"/>
           </a:p>
@@ -2910,7 +2910,7 @@
           <a:p>
             <a:fld id="{546F6BE1-E150-4405-AD34-6C987C8B2B3E}" type="datetimeFigureOut">
               <a:rPr lang="en-US" smtClean="0"/>
-              <a:t>4/10/2025</a:t>
+              <a:t>4/12/2025</a:t>
             </a:fld>
             <a:endParaRPr lang="en-US"/>
           </a:p>
@@ -3327,6 +3327,41 @@
           <a:chExt cx="0" cy="0"/>
         </a:xfrm>
       </p:grpSpPr>
+      <p:sp>
+        <p:nvSpPr>
+          <p:cNvPr id="41" name="TextBox 40">
+            <a:extLst>
+              <a:ext uri="{FF2B5EF4-FFF2-40B4-BE49-F238E27FC236}">
+                <a16:creationId xmlns:a16="http://schemas.microsoft.com/office/drawing/2014/main" id="{A7980818-8D82-C635-09DA-9995EC9696E1}"/>
+              </a:ext>
+            </a:extLst>
+          </p:cNvPr>
+          <p:cNvSpPr txBox="1"/>
+          <p:nvPr/>
+        </p:nvSpPr>
+        <p:spPr>
+          <a:xfrm>
+            <a:off x="4234187" y="6110642"/>
+            <a:ext cx="3992231" cy="369332"/>
+          </a:xfrm>
+          <a:prstGeom prst="rect">
+            <a:avLst/>
+          </a:prstGeom>
+          <a:noFill/>
+        </p:spPr>
+        <p:txBody>
+          <a:bodyPr wrap="square" rtlCol="0">
+            <a:spAutoFit/>
+          </a:bodyPr>
+          <a:lstStyle/>
+          <a:p>
+            <a:r>
+              <a:rPr lang="en-US" dirty="0"/>
+              <a:t>tan(camera_angle – FOV/2) * Height</a:t>
+            </a:r>
+          </a:p>
+        </p:txBody>
+      </p:sp>
       <p:cxnSp>
         <p:nvCxnSpPr>
           <p:cNvPr id="17" name="Straight Connector 16">
@@ -4123,41 +4158,6 @@
             <a:r>
               <a:rPr lang="en-US" dirty="0"/>
               <a:t>tan(camera_angle + FOV/2) * Height</a:t>
-            </a:r>
-          </a:p>
-        </p:txBody>
-      </p:sp>
-      <p:sp>
-        <p:nvSpPr>
-          <p:cNvPr id="41" name="TextBox 40">
-            <a:extLst>
-              <a:ext uri="{FF2B5EF4-FFF2-40B4-BE49-F238E27FC236}">
-                <a16:creationId xmlns:a16="http://schemas.microsoft.com/office/drawing/2014/main" id="{A7980818-8D82-C635-09DA-9995EC9696E1}"/>
-              </a:ext>
-            </a:extLst>
-          </p:cNvPr>
-          <p:cNvSpPr txBox="1"/>
-          <p:nvPr/>
-        </p:nvSpPr>
-        <p:spPr>
-          <a:xfrm>
-            <a:off x="4234187" y="6110642"/>
-            <a:ext cx="3992231" cy="369332"/>
-          </a:xfrm>
-          <a:prstGeom prst="rect">
-            <a:avLst/>
-          </a:prstGeom>
-          <a:noFill/>
-        </p:spPr>
-        <p:txBody>
-          <a:bodyPr wrap="square" rtlCol="0">
-            <a:spAutoFit/>
-          </a:bodyPr>
-          <a:lstStyle/>
-          <a:p>
-            <a:r>
-              <a:rPr lang="en-US" dirty="0"/>
-              <a:t>tan(camera_angle – FOV/2) * Height</a:t>
             </a:r>
           </a:p>
         </p:txBody>
@@ -4878,7 +4878,7 @@
             </a:solidFill>
             <a:prstDash val="sysDot"/>
             <a:round/>
-            <a:headEnd type="stealth" w="med" len="med"/>
+            <a:headEnd type="none" w="med" len="med"/>
             <a:tailEnd type="stealth" w="med" len="med"/>
           </a:ln>
         </p:spPr>
@@ -4957,9 +4957,9 @@
           <p:nvPr/>
         </p:nvCxnSpPr>
         <p:spPr>
-          <a:xfrm flipV="1">
-            <a:off x="5427923" y="5491545"/>
-            <a:ext cx="1113897" cy="8850"/>
+          <a:xfrm>
+            <a:off x="5427923" y="5429139"/>
+            <a:ext cx="1143860" cy="0"/>
           </a:xfrm>
           <a:prstGeom prst="straightConnector1">
             <a:avLst/>
@@ -4999,9 +4999,9 @@
           <p:nvPr/>
         </p:nvCxnSpPr>
         <p:spPr>
-          <a:xfrm flipV="1">
-            <a:off x="6513686" y="5491545"/>
-            <a:ext cx="408848" cy="8850"/>
+          <a:xfrm>
+            <a:off x="6538918" y="5559387"/>
+            <a:ext cx="373783" cy="0"/>
           </a:xfrm>
           <a:prstGeom prst="straightConnector1">
             <a:avLst/>
@@ -5197,7 +5197,7 @@
         </p:nvSpPr>
         <p:spPr>
           <a:xfrm>
-            <a:off x="2548480" y="5535940"/>
+            <a:off x="2548480" y="5457284"/>
             <a:ext cx="3696493" cy="369332"/>
           </a:xfrm>
           <a:prstGeom prst="rect">
@@ -5232,7 +5232,7 @@
         </p:nvSpPr>
         <p:spPr>
           <a:xfrm>
-            <a:off x="6601219" y="5574371"/>
+            <a:off x="6522563" y="5564539"/>
             <a:ext cx="3811220" cy="369332"/>
           </a:xfrm>
           <a:prstGeom prst="rect">
